--- a/restricted/slides11f.pptx
+++ b/restricted/slides11f.pptx
@@ -4762,52 +4762,7 @@
                 <a:uFillTx/>
                 <a:latin typeface="Comic Sans MS" pitchFamily="66" charset="0"/>
               </a:rPr>
-              <a:t>Albert R Meyer,</a:t>
-            </a:r>
-            <a:r>
-              <a:rPr kumimoji="0" lang="en-US" sz="1200" b="0" i="0" u="none" strike="noStrike" kern="1200" cap="none" spc="0" normalizeH="0" baseline="0" noProof="0" dirty="0" smtClean="0">
-                <a:ln>
-                  <a:noFill/>
-                </a:ln>
-                <a:solidFill>
-                  <a:schemeClr val="tx1"/>
-                </a:solidFill>
-                <a:effectLst/>
-                <a:uLnTx/>
-                <a:uFillTx/>
-                <a:latin typeface="Comic Sans MS" pitchFamily="66" charset="0"/>
-              </a:rPr>
-              <a:t>                 April </a:t>
-            </a:r>
-            <a:r>
-              <a:rPr kumimoji="0" lang="en-US" sz="1200" b="0" i="0" u="none" strike="noStrike" kern="1200" cap="none" spc="0" normalizeH="0" baseline="0" noProof="0" dirty="0" smtClean="0">
-                <a:ln>
-                  <a:noFill/>
-                </a:ln>
-                <a:solidFill>
-                  <a:schemeClr val="tx1"/>
-                </a:solidFill>
-                <a:effectLst/>
-                <a:uLnTx/>
-                <a:uFillTx/>
-                <a:latin typeface="Comic Sans MS" pitchFamily="66" charset="0"/>
-              </a:rPr>
-              <a:t>23, </a:t>
-            </a:r>
-            <a:r>
-              <a:rPr kumimoji="0" lang="en-US" sz="1200" b="0" i="0" u="none" strike="noStrike" kern="1200" cap="none" spc="0" normalizeH="0" baseline="0" noProof="0" dirty="0" smtClean="0">
-                <a:ln>
-                  <a:noFill/>
-                </a:ln>
-                <a:solidFill>
-                  <a:schemeClr val="tx1"/>
-                </a:solidFill>
-                <a:effectLst/>
-                <a:uLnTx/>
-                <a:uFillTx/>
-                <a:latin typeface="Comic Sans MS" pitchFamily="66" charset="0"/>
-              </a:rPr>
-              <a:t>2010</a:t>
+              <a:t>Albert R Meyer,                 April 23, 2010</a:t>
             </a:r>
             <a:endParaRPr kumimoji="0" lang="en-US" sz="1200" b="0" i="0" u="none" strike="noStrike" kern="1200" cap="none" spc="0" normalizeH="0" baseline="0" noProof="0" dirty="0">
               <a:ln>
@@ -17273,16 +17228,12 @@
           <a:lstStyle/>
           <a:p>
             <a:r>
+              <a:rPr lang="en-US" smtClean="0"/>
+              <a:t>Partial Fractions </a:t>
+            </a:r>
+            <a:r>
               <a:rPr lang="en-US" dirty="0" smtClean="0"/>
-              <a:t>Part </a:t>
-            </a:r>
-            <a:r>
-              <a:rPr lang="en-US" dirty="0" err="1" smtClean="0"/>
-              <a:t>Frac</a:t>
-            </a:r>
-            <a:r>
-              <a:rPr lang="en-US" dirty="0" smtClean="0"/>
-              <a:t> Expansion of </a:t>
+              <a:t>for </a:t>
             </a:r>
             <a:r>
               <a:rPr lang="en-US" dirty="0" smtClean="0">
